--- a/Intro-2Vis-libraries.pptx
+++ b/Intro-2Vis-libraries.pptx
@@ -5,12 +5,12 @@
     <p:sldMasterId id="2147484160" r:id="rId1"/>
   </p:sldMasterIdLst>
   <p:notesMasterIdLst>
-    <p:notesMasterId r:id="rId13"/>
+    <p:notesMasterId r:id="rId14"/>
   </p:notesMasterIdLst>
   <p:sldIdLst>
     <p:sldId id="256" r:id="rId2"/>
-    <p:sldId id="257" r:id="rId3"/>
-    <p:sldId id="259" r:id="rId4"/>
+    <p:sldId id="267" r:id="rId3"/>
+    <p:sldId id="257" r:id="rId4"/>
     <p:sldId id="258" r:id="rId5"/>
     <p:sldId id="260" r:id="rId6"/>
     <p:sldId id="261" r:id="rId7"/>
@@ -18,7 +18,8 @@
     <p:sldId id="263" r:id="rId9"/>
     <p:sldId id="264" r:id="rId10"/>
     <p:sldId id="265" r:id="rId11"/>
-    <p:sldId id="266" r:id="rId12"/>
+    <p:sldId id="259" r:id="rId12"/>
+    <p:sldId id="266" r:id="rId13"/>
   </p:sldIdLst>
   <p:sldSz cx="12192000" cy="6858000"/>
   <p:notesSz cx="6858000" cy="9144000"/>
@@ -207,7 +208,7 @@
           <a:p>
             <a:fld id="{C69DA7D7-6582-4031-A06F-186975515DFB}" type="datetimeFigureOut">
               <a:rPr lang="en-GB" smtClean="0"/>
-              <a:t>01/02/2022</a:t>
+              <a:t>03/02/2022</a:t>
             </a:fld>
             <a:endParaRPr lang="en-GB"/>
           </a:p>
@@ -759,7 +760,7 @@
           <a:p>
             <a:fld id="{0DAF61AA-5A98-4049-A93E-477E5505141A}" type="datetimeFigureOut">
               <a:rPr lang="en-US" smtClean="0"/>
-              <a:t>2/1/2022</a:t>
+              <a:t>2/3/2022</a:t>
             </a:fld>
             <a:endParaRPr lang="en-US" dirty="0"/>
           </a:p>
@@ -949,7 +950,7 @@
           <a:p>
             <a:fld id="{0DAF61AA-5A98-4049-A93E-477E5505141A}" type="datetimeFigureOut">
               <a:rPr lang="en-US" smtClean="0"/>
-              <a:t>2/1/2022</a:t>
+              <a:t>2/3/2022</a:t>
             </a:fld>
             <a:endParaRPr lang="en-US"/>
           </a:p>
@@ -1129,7 +1130,7 @@
           <a:p>
             <a:fld id="{0DAF61AA-5A98-4049-A93E-477E5505141A}" type="datetimeFigureOut">
               <a:rPr lang="en-US" smtClean="0"/>
-              <a:t>2/1/2022</a:t>
+              <a:t>2/3/2022</a:t>
             </a:fld>
             <a:endParaRPr lang="en-US"/>
           </a:p>
@@ -1299,7 +1300,7 @@
           <a:p>
             <a:fld id="{0DAF61AA-5A98-4049-A93E-477E5505141A}" type="datetimeFigureOut">
               <a:rPr lang="en-US" smtClean="0"/>
-              <a:t>2/1/2022</a:t>
+              <a:t>2/3/2022</a:t>
             </a:fld>
             <a:endParaRPr lang="en-US"/>
           </a:p>
@@ -1555,7 +1556,7 @@
           <a:p>
             <a:fld id="{0DAF61AA-5A98-4049-A93E-477E5505141A}" type="datetimeFigureOut">
               <a:rPr lang="en-US" smtClean="0"/>
-              <a:t>2/1/2022</a:t>
+              <a:t>2/3/2022</a:t>
             </a:fld>
             <a:endParaRPr lang="en-US"/>
           </a:p>
@@ -1843,7 +1844,7 @@
           <a:p>
             <a:fld id="{0DAF61AA-5A98-4049-A93E-477E5505141A}" type="datetimeFigureOut">
               <a:rPr lang="en-US" smtClean="0"/>
-              <a:t>2/1/2022</a:t>
+              <a:t>2/3/2022</a:t>
             </a:fld>
             <a:endParaRPr lang="en-US"/>
           </a:p>
@@ -2282,7 +2283,7 @@
             <a:fld id="{0DAF61AA-5A98-4049-A93E-477E5505141A}" type="datetimeFigureOut">
               <a:rPr lang="en-US" smtClean="0"/>
               <a:pPr/>
-              <a:t>2/1/2022</a:t>
+              <a:t>2/3/2022</a:t>
             </a:fld>
             <a:endParaRPr lang="en-US" dirty="0"/>
           </a:p>
@@ -2401,7 +2402,7 @@
           <a:p>
             <a:fld id="{0DAF61AA-5A98-4049-A93E-477E5505141A}" type="datetimeFigureOut">
               <a:rPr lang="en-US" smtClean="0"/>
-              <a:t>2/1/2022</a:t>
+              <a:t>2/3/2022</a:t>
             </a:fld>
             <a:endParaRPr lang="en-US"/>
           </a:p>
@@ -2496,7 +2497,7 @@
           <a:p>
             <a:fld id="{0DAF61AA-5A98-4049-A93E-477E5505141A}" type="datetimeFigureOut">
               <a:rPr lang="en-US" smtClean="0"/>
-              <a:t>2/1/2022</a:t>
+              <a:t>2/3/2022</a:t>
             </a:fld>
             <a:endParaRPr lang="en-US"/>
           </a:p>
@@ -2852,7 +2853,7 @@
           <a:p>
             <a:fld id="{0DAF61AA-5A98-4049-A93E-477E5505141A}" type="datetimeFigureOut">
               <a:rPr lang="en-US" smtClean="0"/>
-              <a:t>2/1/2022</a:t>
+              <a:t>2/3/2022</a:t>
             </a:fld>
             <a:endParaRPr lang="en-US"/>
           </a:p>
@@ -3168,7 +3169,7 @@
           <a:p>
             <a:fld id="{0DAF61AA-5A98-4049-A93E-477E5505141A}" type="datetimeFigureOut">
               <a:rPr lang="en-US" smtClean="0"/>
-              <a:t>2/1/2022</a:t>
+              <a:t>2/3/2022</a:t>
             </a:fld>
             <a:endParaRPr lang="en-US"/>
           </a:p>
@@ -3402,7 +3403,7 @@
             <a:fld id="{0DAF61AA-5A98-4049-A93E-477E5505141A}" type="datetimeFigureOut">
               <a:rPr lang="en-US" smtClean="0"/>
               <a:pPr/>
-              <a:t>2/1/2022</a:t>
+              <a:t>2/3/2022</a:t>
             </a:fld>
             <a:endParaRPr lang="en-US" dirty="0"/>
           </a:p>
@@ -4188,7 +4189,7 @@
         </p:blipFill>
         <p:spPr>
           <a:xfrm>
-            <a:off x="7197833" y="3785317"/>
+            <a:off x="7250587" y="3662567"/>
             <a:ext cx="1497799" cy="1336434"/>
           </a:xfrm>
           <a:prstGeom prst="rect">
@@ -4483,6 +4484,424 @@
       </p:grpSpPr>
       <p:sp>
         <p:nvSpPr>
+          <p:cNvPr id="6" name="TextBox 5">
+            <a:extLst>
+              <a:ext uri="{FF2B5EF4-FFF2-40B4-BE49-F238E27FC236}">
+                <a16:creationId xmlns:a16="http://schemas.microsoft.com/office/drawing/2014/main" id="{D3C2DC2E-BE3C-4A9C-B799-27534D268D7C}"/>
+              </a:ext>
+            </a:extLst>
+          </p:cNvPr>
+          <p:cNvSpPr txBox="1"/>
+          <p:nvPr/>
+        </p:nvSpPr>
+        <p:spPr>
+          <a:xfrm>
+            <a:off x="292961" y="333483"/>
+            <a:ext cx="8788895" cy="646331"/>
+          </a:xfrm>
+          <a:prstGeom prst="rect">
+            <a:avLst/>
+          </a:prstGeom>
+          <a:noFill/>
+        </p:spPr>
+        <p:txBody>
+          <a:bodyPr wrap="square" rtlCol="0">
+            <a:spAutoFit/>
+          </a:bodyPr>
+          <a:lstStyle/>
+          <a:p>
+            <a:r>
+              <a:rPr lang="en-GB" sz="3600" dirty="0">
+                <a:solidFill>
+                  <a:schemeClr val="bg1"/>
+                </a:solidFill>
+                <a:latin typeface="Abadi" panose="020B0604020202020204" pitchFamily="34" charset="0"/>
+              </a:rPr>
+              <a:t>Three Ways to Install Echarts.js and D3.js</a:t>
+            </a:r>
+          </a:p>
+        </p:txBody>
+      </p:sp>
+      <p:sp>
+        <p:nvSpPr>
+          <p:cNvPr id="7" name="TextBox 6">
+            <a:extLst>
+              <a:ext uri="{FF2B5EF4-FFF2-40B4-BE49-F238E27FC236}">
+                <a16:creationId xmlns:a16="http://schemas.microsoft.com/office/drawing/2014/main" id="{7C017157-9E60-4584-9985-51B92A108C80}"/>
+              </a:ext>
+            </a:extLst>
+          </p:cNvPr>
+          <p:cNvSpPr txBox="1"/>
+          <p:nvPr/>
+        </p:nvSpPr>
+        <p:spPr>
+          <a:xfrm>
+            <a:off x="292961" y="1347537"/>
+            <a:ext cx="9043544" cy="400110"/>
+          </a:xfrm>
+          <a:prstGeom prst="rect">
+            <a:avLst/>
+          </a:prstGeom>
+          <a:noFill/>
+        </p:spPr>
+        <p:txBody>
+          <a:bodyPr wrap="square" rtlCol="0">
+            <a:spAutoFit/>
+          </a:bodyPr>
+          <a:lstStyle/>
+          <a:p>
+            <a:r>
+              <a:rPr lang="en-GB" sz="2000" dirty="0">
+                <a:solidFill>
+                  <a:schemeClr val="bg1"/>
+                </a:solidFill>
+                <a:latin typeface="Abadi" panose="020B0604020202020204" pitchFamily="34" charset="0"/>
+              </a:rPr>
+              <a:t>(1) Download echarts.min.js or d3.min.js and include them in html files. </a:t>
+            </a:r>
+          </a:p>
+        </p:txBody>
+      </p:sp>
+      <p:pic>
+        <p:nvPicPr>
+          <p:cNvPr id="9" name="Picture 8">
+            <a:extLst>
+              <a:ext uri="{FF2B5EF4-FFF2-40B4-BE49-F238E27FC236}">
+                <a16:creationId xmlns:a16="http://schemas.microsoft.com/office/drawing/2014/main" id="{7E032C03-A61A-4289-8BCC-5210B2673085}"/>
+              </a:ext>
+            </a:extLst>
+          </p:cNvPr>
+          <p:cNvPicPr>
+            <a:picLocks noChangeAspect="1"/>
+          </p:cNvPicPr>
+          <p:nvPr/>
+        </p:nvPicPr>
+        <p:blipFill>
+          <a:blip r:embed="rId2"/>
+          <a:stretch>
+            <a:fillRect/>
+          </a:stretch>
+        </p:blipFill>
+        <p:spPr>
+          <a:xfrm>
+            <a:off x="754203" y="1836763"/>
+            <a:ext cx="4060530" cy="283592"/>
+          </a:xfrm>
+          <a:prstGeom prst="rect">
+            <a:avLst/>
+          </a:prstGeom>
+        </p:spPr>
+      </p:pic>
+      <p:sp>
+        <p:nvSpPr>
+          <p:cNvPr id="10" name="TextBox 9">
+            <a:extLst>
+              <a:ext uri="{FF2B5EF4-FFF2-40B4-BE49-F238E27FC236}">
+                <a16:creationId xmlns:a16="http://schemas.microsoft.com/office/drawing/2014/main" id="{DE506D4F-4B07-46E4-B46F-17413478BA5A}"/>
+              </a:ext>
+            </a:extLst>
+          </p:cNvPr>
+          <p:cNvSpPr txBox="1"/>
+          <p:nvPr/>
+        </p:nvSpPr>
+        <p:spPr>
+          <a:xfrm>
+            <a:off x="292961" y="2757486"/>
+            <a:ext cx="8540321" cy="707886"/>
+          </a:xfrm>
+          <a:prstGeom prst="rect">
+            <a:avLst/>
+          </a:prstGeom>
+          <a:noFill/>
+        </p:spPr>
+        <p:txBody>
+          <a:bodyPr wrap="square" rtlCol="0">
+            <a:spAutoFit/>
+          </a:bodyPr>
+          <a:lstStyle/>
+          <a:p>
+            <a:r>
+              <a:rPr lang="en-GB" sz="2000" dirty="0">
+                <a:solidFill>
+                  <a:schemeClr val="bg1"/>
+                </a:solidFill>
+                <a:latin typeface="Abadi" panose="020B0604020104020204" pitchFamily="34" charset="0"/>
+              </a:rPr>
+              <a:t>(2) Use CDN (</a:t>
+            </a:r>
+            <a:r>
+              <a:rPr lang="en-GB" sz="2000" b="0" i="0" dirty="0">
+                <a:solidFill>
+                  <a:schemeClr val="bg1"/>
+                </a:solidFill>
+                <a:effectLst/>
+                <a:latin typeface="Abadi" panose="020B0604020104020204" pitchFamily="34" charset="0"/>
+              </a:rPr>
+              <a:t>Content Delivery Network</a:t>
+            </a:r>
+            <a:r>
+              <a:rPr lang="en-GB" sz="2000" dirty="0">
+                <a:solidFill>
+                  <a:schemeClr val="bg1"/>
+                </a:solidFill>
+                <a:latin typeface="Abadi" panose="020B0604020104020204" pitchFamily="34" charset="0"/>
+              </a:rPr>
+              <a:t>)</a:t>
+            </a:r>
+          </a:p>
+          <a:p>
+            <a:endParaRPr lang="en-GB" sz="2000" dirty="0">
+              <a:solidFill>
+                <a:schemeClr val="bg1"/>
+              </a:solidFill>
+              <a:latin typeface="Abadi" panose="020B0604020202020204" pitchFamily="34" charset="0"/>
+            </a:endParaRPr>
+          </a:p>
+        </p:txBody>
+      </p:sp>
+      <p:pic>
+        <p:nvPicPr>
+          <p:cNvPr id="14" name="Picture 13">
+            <a:extLst>
+              <a:ext uri="{FF2B5EF4-FFF2-40B4-BE49-F238E27FC236}">
+                <a16:creationId xmlns:a16="http://schemas.microsoft.com/office/drawing/2014/main" id="{22B72CAA-4DF1-4A03-88C0-8C2CC511CB80}"/>
+              </a:ext>
+            </a:extLst>
+          </p:cNvPr>
+          <p:cNvPicPr>
+            <a:picLocks noChangeAspect="1"/>
+          </p:cNvPicPr>
+          <p:nvPr/>
+        </p:nvPicPr>
+        <p:blipFill>
+          <a:blip r:embed="rId3"/>
+          <a:stretch>
+            <a:fillRect/>
+          </a:stretch>
+        </p:blipFill>
+        <p:spPr>
+          <a:xfrm>
+            <a:off x="696433" y="3283379"/>
+            <a:ext cx="4309642" cy="291242"/>
+          </a:xfrm>
+          <a:prstGeom prst="rect">
+            <a:avLst/>
+          </a:prstGeom>
+        </p:spPr>
+      </p:pic>
+      <p:pic>
+        <p:nvPicPr>
+          <p:cNvPr id="16" name="Picture 15">
+            <a:extLst>
+              <a:ext uri="{FF2B5EF4-FFF2-40B4-BE49-F238E27FC236}">
+                <a16:creationId xmlns:a16="http://schemas.microsoft.com/office/drawing/2014/main" id="{DAE14740-C634-43F8-90F8-C509D9FA18A6}"/>
+              </a:ext>
+            </a:extLst>
+          </p:cNvPr>
+          <p:cNvPicPr>
+            <a:picLocks noChangeAspect="1"/>
+          </p:cNvPicPr>
+          <p:nvPr/>
+        </p:nvPicPr>
+        <p:blipFill>
+          <a:blip r:embed="rId4"/>
+          <a:stretch>
+            <a:fillRect/>
+          </a:stretch>
+        </p:blipFill>
+        <p:spPr>
+          <a:xfrm>
+            <a:off x="696433" y="3868621"/>
+            <a:ext cx="6419850" cy="291242"/>
+          </a:xfrm>
+          <a:prstGeom prst="rect">
+            <a:avLst/>
+          </a:prstGeom>
+        </p:spPr>
+      </p:pic>
+      <p:sp>
+        <p:nvSpPr>
+          <p:cNvPr id="17" name="TextBox 16">
+            <a:extLst>
+              <a:ext uri="{FF2B5EF4-FFF2-40B4-BE49-F238E27FC236}">
+                <a16:creationId xmlns:a16="http://schemas.microsoft.com/office/drawing/2014/main" id="{B581F672-34CD-44AD-A27A-4FD3F0DF9CB2}"/>
+              </a:ext>
+            </a:extLst>
+          </p:cNvPr>
+          <p:cNvSpPr txBox="1"/>
+          <p:nvPr/>
+        </p:nvSpPr>
+        <p:spPr>
+          <a:xfrm>
+            <a:off x="292961" y="4623277"/>
+            <a:ext cx="9043544" cy="1323439"/>
+          </a:xfrm>
+          <a:prstGeom prst="rect">
+            <a:avLst/>
+          </a:prstGeom>
+          <a:noFill/>
+        </p:spPr>
+        <p:txBody>
+          <a:bodyPr wrap="square" rtlCol="0">
+            <a:spAutoFit/>
+          </a:bodyPr>
+          <a:lstStyle/>
+          <a:p>
+            <a:r>
+              <a:rPr lang="en-GB" sz="2000" dirty="0">
+                <a:solidFill>
+                  <a:schemeClr val="bg1"/>
+                </a:solidFill>
+                <a:latin typeface="Abadi" panose="020B0604020202020204" pitchFamily="34" charset="0"/>
+              </a:rPr>
+              <a:t>(3) </a:t>
+            </a:r>
+            <a:r>
+              <a:rPr lang="en-GB" sz="2000" dirty="0" err="1">
+                <a:solidFill>
+                  <a:schemeClr val="bg1"/>
+                </a:solidFill>
+                <a:latin typeface="Abadi" panose="020B0604020202020204" pitchFamily="34" charset="0"/>
+              </a:rPr>
+              <a:t>npm</a:t>
+            </a:r>
+            <a:r>
+              <a:rPr lang="en-GB" sz="2000" dirty="0">
+                <a:solidFill>
+                  <a:schemeClr val="bg1"/>
+                </a:solidFill>
+                <a:latin typeface="Abadi" panose="020B0604020202020204" pitchFamily="34" charset="0"/>
+              </a:rPr>
+              <a:t> install </a:t>
+            </a:r>
+            <a:r>
+              <a:rPr lang="en-GB" sz="2000" dirty="0" err="1">
+                <a:solidFill>
+                  <a:schemeClr val="bg1"/>
+                </a:solidFill>
+                <a:latin typeface="Abadi" panose="020B0604020202020204" pitchFamily="34" charset="0"/>
+              </a:rPr>
+              <a:t>echarts</a:t>
+            </a:r>
+            <a:r>
+              <a:rPr lang="en-GB" sz="2000" dirty="0">
+                <a:solidFill>
+                  <a:schemeClr val="bg1"/>
+                </a:solidFill>
+                <a:latin typeface="Abadi" panose="020B0604020202020204" pitchFamily="34" charset="0"/>
+              </a:rPr>
+              <a:t> --save / </a:t>
+            </a:r>
+            <a:r>
+              <a:rPr lang="en-GB" sz="2000" dirty="0" err="1">
+                <a:solidFill>
+                  <a:schemeClr val="bg1"/>
+                </a:solidFill>
+                <a:latin typeface="Abadi" panose="020B0604020202020204" pitchFamily="34" charset="0"/>
+              </a:rPr>
+              <a:t>npm</a:t>
+            </a:r>
+            <a:r>
+              <a:rPr lang="en-GB" sz="2000" dirty="0">
+                <a:solidFill>
+                  <a:schemeClr val="bg1"/>
+                </a:solidFill>
+                <a:latin typeface="Abadi" panose="020B0604020202020204" pitchFamily="34" charset="0"/>
+              </a:rPr>
+              <a:t> install d3 --save</a:t>
+            </a:r>
+          </a:p>
+          <a:p>
+            <a:r>
+              <a:rPr lang="en-GB" sz="2000" dirty="0">
+                <a:solidFill>
+                  <a:schemeClr val="bg1"/>
+                </a:solidFill>
+                <a:latin typeface="Abadi" panose="020B0604020202020204" pitchFamily="34" charset="0"/>
+              </a:rPr>
+              <a:t>     And then require() to use them</a:t>
+            </a:r>
+          </a:p>
+          <a:p>
+            <a:endParaRPr lang="en-GB" sz="2000" dirty="0">
+              <a:solidFill>
+                <a:schemeClr val="bg1"/>
+              </a:solidFill>
+              <a:latin typeface="Abadi" panose="020B0604020202020204" pitchFamily="34" charset="0"/>
+            </a:endParaRPr>
+          </a:p>
+          <a:p>
+            <a:endParaRPr lang="en-GB" sz="2000" dirty="0">
+              <a:solidFill>
+                <a:schemeClr val="bg1"/>
+              </a:solidFill>
+              <a:latin typeface="Abadi" panose="020B0604020202020204" pitchFamily="34" charset="0"/>
+            </a:endParaRPr>
+          </a:p>
+        </p:txBody>
+      </p:sp>
+      <p:pic>
+        <p:nvPicPr>
+          <p:cNvPr id="19" name="Picture 18">
+            <a:extLst>
+              <a:ext uri="{FF2B5EF4-FFF2-40B4-BE49-F238E27FC236}">
+                <a16:creationId xmlns:a16="http://schemas.microsoft.com/office/drawing/2014/main" id="{9035FD7A-4A5A-45B3-94CC-613270D03769}"/>
+              </a:ext>
+            </a:extLst>
+          </p:cNvPr>
+          <p:cNvPicPr>
+            <a:picLocks noChangeAspect="1"/>
+          </p:cNvPicPr>
+          <p:nvPr/>
+        </p:nvPicPr>
+        <p:blipFill>
+          <a:blip r:embed="rId5"/>
+          <a:stretch>
+            <a:fillRect/>
+          </a:stretch>
+        </p:blipFill>
+        <p:spPr>
+          <a:xfrm>
+            <a:off x="696433" y="5510463"/>
+            <a:ext cx="3387677" cy="257618"/>
+          </a:xfrm>
+          <a:prstGeom prst="rect">
+            <a:avLst/>
+          </a:prstGeom>
+        </p:spPr>
+      </p:pic>
+    </p:spTree>
+    <p:extLst>
+      <p:ext uri="{BB962C8B-B14F-4D97-AF65-F5344CB8AC3E}">
+        <p14:creationId xmlns:p14="http://schemas.microsoft.com/office/powerpoint/2010/main" val="3979719486"/>
+      </p:ext>
+    </p:extLst>
+  </p:cSld>
+  <p:clrMapOvr>
+    <a:masterClrMapping/>
+  </p:clrMapOvr>
+</p:sld>
+</file>
+
+<file path=ppt/slides/slide12.xml><?xml version="1.0" encoding="utf-8"?>
+<p:sld xmlns:a="http://schemas.openxmlformats.org/drawingml/2006/main" xmlns:r="http://schemas.openxmlformats.org/officeDocument/2006/relationships" xmlns:p="http://schemas.openxmlformats.org/presentationml/2006/main">
+  <p:cSld>
+    <p:spTree>
+      <p:nvGrpSpPr>
+        <p:cNvPr id="1" name=""/>
+        <p:cNvGrpSpPr/>
+        <p:nvPr/>
+      </p:nvGrpSpPr>
+      <p:grpSpPr>
+        <a:xfrm>
+          <a:off x="0" y="0"/>
+          <a:ext cx="0" cy="0"/>
+          <a:chOff x="0" y="0"/>
+          <a:chExt cx="0" cy="0"/>
+        </a:xfrm>
+      </p:grpSpPr>
+      <p:sp>
+        <p:nvSpPr>
           <p:cNvPr id="6" name="TextBox 85">
             <a:extLst>
               <a:ext uri="{FF2B5EF4-FFF2-40B4-BE49-F238E27FC236}">
@@ -4495,8 +4914,8 @@
         </p:nvSpPr>
         <p:spPr>
           <a:xfrm>
-            <a:off x="1009375" y="1730775"/>
-            <a:ext cx="10397057" cy="4832092"/>
+            <a:off x="1009374" y="1595021"/>
+            <a:ext cx="10397057" cy="5262979"/>
           </a:xfrm>
           <a:prstGeom prst="rect">
             <a:avLst/>
@@ -4516,7 +4935,7 @@
                 </a:solidFill>
                 <a:latin typeface="Abadi" panose="020B0604020202020204" pitchFamily="34" charset="0"/>
               </a:rPr>
-              <a:t>JavaScript should be the closest programming language to users, so its visualization libraries focus more on interaction and animation so as to make a better user experience (UX). Meanwhile, it may be an alternative visualization solution for Data Science Mini-Project except for Tableau.</a:t>
+              <a:t>JavaScript is the closest programming language to users, as long as you use a browser to do something, you must deal with JavaScript. Therefore, its visualization libraries focus more on interaction and animation so as to make a better user experience (UX). Meanwhile, it may be an alternative visualization solution for Data Science Mini-Project except for Tableau.</a:t>
             </a:r>
           </a:p>
           <a:p>
@@ -4675,92 +5094,12 @@
           <a:chExt cx="0" cy="0"/>
         </a:xfrm>
       </p:grpSpPr>
-      <p:sp>
-        <p:nvSpPr>
-          <p:cNvPr id="7" name="TextBox 6">
+      <p:pic>
+        <p:nvPicPr>
+          <p:cNvPr id="6" name="Picture 99">
             <a:extLst>
               <a:ext uri="{FF2B5EF4-FFF2-40B4-BE49-F238E27FC236}">
-                <a16:creationId xmlns:a16="http://schemas.microsoft.com/office/drawing/2014/main" id="{7FA3F663-C943-4FBF-9037-55721C2DCC8A}"/>
-              </a:ext>
-            </a:extLst>
-          </p:cNvPr>
-          <p:cNvSpPr txBox="1"/>
-          <p:nvPr/>
-        </p:nvSpPr>
-        <p:spPr>
-          <a:xfrm>
-            <a:off x="452759" y="541539"/>
-            <a:ext cx="6320903" cy="646331"/>
-          </a:xfrm>
-          <a:prstGeom prst="rect">
-            <a:avLst/>
-          </a:prstGeom>
-          <a:noFill/>
-        </p:spPr>
-        <p:txBody>
-          <a:bodyPr wrap="square" rtlCol="0">
-            <a:spAutoFit/>
-          </a:bodyPr>
-          <a:lstStyle/>
-          <a:p>
-            <a:r>
-              <a:rPr lang="en-GB" sz="3600" dirty="0">
-                <a:solidFill>
-                  <a:schemeClr val="bg1"/>
-                </a:solidFill>
-                <a:latin typeface="Abadi" panose="020B0604020202020204" pitchFamily="34" charset="0"/>
-              </a:rPr>
-              <a:t>Before the Introduction…</a:t>
-            </a:r>
-          </a:p>
-        </p:txBody>
-      </p:sp>
-      <p:sp>
-        <p:nvSpPr>
-          <p:cNvPr id="8" name="TextBox 7">
-            <a:extLst>
-              <a:ext uri="{FF2B5EF4-FFF2-40B4-BE49-F238E27FC236}">
-                <a16:creationId xmlns:a16="http://schemas.microsoft.com/office/drawing/2014/main" id="{79F28C4B-5868-4FB5-A812-3D42FC8E3E0F}"/>
-              </a:ext>
-            </a:extLst>
-          </p:cNvPr>
-          <p:cNvSpPr txBox="1"/>
-          <p:nvPr/>
-        </p:nvSpPr>
-        <p:spPr>
-          <a:xfrm>
-            <a:off x="452759" y="1439663"/>
-            <a:ext cx="559296" cy="400110"/>
-          </a:xfrm>
-          <a:prstGeom prst="rect">
-            <a:avLst/>
-          </a:prstGeom>
-          <a:noFill/>
-        </p:spPr>
-        <p:txBody>
-          <a:bodyPr wrap="square" rtlCol="0">
-            <a:spAutoFit/>
-          </a:bodyPr>
-          <a:lstStyle/>
-          <a:p>
-            <a:r>
-              <a:rPr lang="en-GB" sz="2000" dirty="0">
-                <a:solidFill>
-                  <a:schemeClr val="bg1"/>
-                </a:solidFill>
-                <a:latin typeface="Abadi" panose="020B0604020202020204" pitchFamily="34" charset="0"/>
-              </a:rPr>
-              <a:t>(1)</a:t>
-            </a:r>
-          </a:p>
-        </p:txBody>
-      </p:sp>
-      <p:pic>
-        <p:nvPicPr>
-          <p:cNvPr id="11" name="Picture 10">
-            <a:extLst>
-              <a:ext uri="{FF2B5EF4-FFF2-40B4-BE49-F238E27FC236}">
-                <a16:creationId xmlns:a16="http://schemas.microsoft.com/office/drawing/2014/main" id="{042DB031-ADA5-4B9B-962F-BD5CE29EF7B3}"/>
+                <a16:creationId xmlns:a16="http://schemas.microsoft.com/office/drawing/2014/main" id="{E78B2C78-23E4-4408-A4AE-C47F7FD3889D}"/>
               </a:ext>
             </a:extLst>
           </p:cNvPr>
@@ -4777,8 +5116,8 @@
         </p:blipFill>
         <p:spPr>
           <a:xfrm>
-            <a:off x="1012055" y="1550547"/>
-            <a:ext cx="8370395" cy="1878453"/>
+            <a:off x="682727" y="521170"/>
+            <a:ext cx="2190750" cy="581025"/>
           </a:xfrm>
           <a:prstGeom prst="rect">
             <a:avLst/>
@@ -4787,10 +5126,10 @@
       </p:pic>
       <p:sp>
         <p:nvSpPr>
-          <p:cNvPr id="12" name="TextBox 11">
+          <p:cNvPr id="8" name="文本框 7">
             <a:extLst>
               <a:ext uri="{FF2B5EF4-FFF2-40B4-BE49-F238E27FC236}">
-                <a16:creationId xmlns:a16="http://schemas.microsoft.com/office/drawing/2014/main" id="{FF41FF97-0D0E-44CB-9407-0B4440504DA0}"/>
+                <a16:creationId xmlns:a16="http://schemas.microsoft.com/office/drawing/2014/main" id="{8E78103A-F58B-41D3-B338-A6C7F9A35497}"/>
               </a:ext>
             </a:extLst>
           </p:cNvPr>
@@ -4799,8 +5138,8 @@
         </p:nvSpPr>
         <p:spPr>
           <a:xfrm>
-            <a:off x="1012055" y="3517603"/>
-            <a:ext cx="9712170" cy="400110"/>
+            <a:off x="682727" y="1592658"/>
+            <a:ext cx="10648292" cy="1477328"/>
           </a:xfrm>
           <a:prstGeom prst="rect">
             <a:avLst/>
@@ -4808,48 +5147,95 @@
           <a:noFill/>
         </p:spPr>
         <p:txBody>
-          <a:bodyPr wrap="square" rtlCol="0">
+          <a:bodyPr wrap="square">
             <a:spAutoFit/>
           </a:bodyPr>
           <a:lstStyle/>
           <a:p>
             <a:r>
-              <a:rPr lang="en-GB" sz="2000" dirty="0">
+              <a:rPr lang="zh-CN" altLang="en-US" dirty="0">
                 <a:solidFill>
                   <a:schemeClr val="bg1"/>
                 </a:solidFill>
-                <a:latin typeface="Abadi" panose="020B0604020202020204" pitchFamily="34" charset="0"/>
+                <a:latin typeface="Abadi" panose="020B0604020104020204" pitchFamily="34" charset="0"/>
               </a:rPr>
-              <a:t>git clone </a:t>
-            </a:r>
-            <a:r>
-              <a:rPr lang="en-GB" sz="2000" dirty="0">
+              <a:t>Ec</a:t>
+            </a:r>
+            <a:r>
+              <a:rPr lang="en-US" altLang="zh-CN" dirty="0">
                 <a:solidFill>
                   <a:schemeClr val="bg1"/>
                 </a:solidFill>
-                <a:latin typeface="Abadi" panose="020B0604020202020204" pitchFamily="34" charset="0"/>
-                <a:hlinkClick r:id="rId3"/>
+                <a:latin typeface="Abadi" panose="020B0604020104020204" pitchFamily="34" charset="0"/>
               </a:rPr>
-              <a:t>https://github.com/Raynham/javascript-presentation.git</a:t>
-            </a:r>
-            <a:r>
-              <a:rPr lang="en-GB" sz="2000" dirty="0">
+              <a:t>h</a:t>
+            </a:r>
+            <a:r>
+              <a:rPr lang="zh-CN" altLang="en-US" dirty="0">
                 <a:solidFill>
                   <a:schemeClr val="bg1"/>
                 </a:solidFill>
-                <a:latin typeface="Abadi" panose="020B0604020202020204" pitchFamily="34" charset="0"/>
+                <a:latin typeface="Abadi" panose="020B0604020104020204" pitchFamily="34" charset="0"/>
               </a:rPr>
-              <a:t> to get some examples</a:t>
-            </a:r>
-          </a:p>
-        </p:txBody>
-      </p:sp>
-      <p:sp>
-        <p:nvSpPr>
-          <p:cNvPr id="13" name="TextBox 12">
+              <a:t>arts is a visualization Library Based on canvas. Its biggest feature is intuitive syntax. You need to use JSON format to configure charts. It encapsulates most of the graphics you can think of and you can‘t think of. If you want to use it, you just need to call it directly. At the same time, it also has plenty of interaction and animation effects. </a:t>
+            </a:r>
+            <a:r>
+              <a:rPr lang="en-US" altLang="zh-CN" dirty="0">
+                <a:solidFill>
+                  <a:schemeClr val="bg1"/>
+                </a:solidFill>
+                <a:latin typeface="Abadi" panose="020B0604020104020204" pitchFamily="34" charset="0"/>
+              </a:rPr>
+              <a:t>Just like this, </a:t>
+            </a:r>
+            <a:r>
+              <a:rPr lang="zh-CN" altLang="en-US" dirty="0">
+                <a:solidFill>
+                  <a:schemeClr val="bg1"/>
+                </a:solidFill>
+                <a:latin typeface="Abadi" panose="020B0604020104020204" pitchFamily="34" charset="0"/>
+                <a:hlinkClick r:id="rId3">
+                  <a:extLst>
+                    <a:ext uri="{A12FA001-AC4F-418D-AE19-62706E023703}">
+                      <ahyp:hlinkClr xmlns:ahyp="http://schemas.microsoft.com/office/drawing/2018/hyperlinkcolor" val="tx"/>
+                    </a:ext>
+                  </a:extLst>
+                </a:hlinkClick>
+              </a:rPr>
+              <a:t>https://echarts.apache.org/en/feature.html#fancy-effects</a:t>
+            </a:r>
+            <a:endParaRPr lang="en-US" altLang="zh-CN" dirty="0">
+              <a:solidFill>
+                <a:schemeClr val="bg1"/>
+              </a:solidFill>
+              <a:latin typeface="Abadi" panose="020B0604020104020204" pitchFamily="34" charset="0"/>
+            </a:endParaRPr>
+          </a:p>
+          <a:p>
+            <a:r>
+              <a:rPr lang="en-US" altLang="zh-CN" dirty="0">
+                <a:solidFill>
+                  <a:schemeClr val="bg1"/>
+                </a:solidFill>
+                <a:latin typeface="Abadi" panose="020B0604020104020204" pitchFamily="34" charset="0"/>
+              </a:rPr>
+              <a:t> </a:t>
+            </a:r>
+            <a:endParaRPr lang="zh-CN" altLang="en-US" dirty="0">
+              <a:solidFill>
+                <a:schemeClr val="bg1"/>
+              </a:solidFill>
+              <a:latin typeface="Abadi" panose="020B0604020104020204" pitchFamily="34" charset="0"/>
+            </a:endParaRPr>
+          </a:p>
+        </p:txBody>
+      </p:sp>
+      <p:sp>
+        <p:nvSpPr>
+          <p:cNvPr id="10" name="文本框 9">
             <a:extLst>
               <a:ext uri="{FF2B5EF4-FFF2-40B4-BE49-F238E27FC236}">
-                <a16:creationId xmlns:a16="http://schemas.microsoft.com/office/drawing/2014/main" id="{DC2AD131-74FA-48AA-9D16-042F793B2C78}"/>
+                <a16:creationId xmlns:a16="http://schemas.microsoft.com/office/drawing/2014/main" id="{0FE28AD2-D1C6-4146-8EA9-1C23CA2DDB2B}"/>
               </a:ext>
             </a:extLst>
           </p:cNvPr>
@@ -4858,8 +5244,8 @@
         </p:nvSpPr>
         <p:spPr>
           <a:xfrm>
-            <a:off x="479393" y="4006316"/>
-            <a:ext cx="559296" cy="400110"/>
+            <a:off x="2978102" y="671187"/>
+            <a:ext cx="4381106" cy="523220"/>
           </a:xfrm>
           <a:prstGeom prst="rect">
             <a:avLst/>
@@ -4867,29 +5253,33 @@
           <a:noFill/>
         </p:spPr>
         <p:txBody>
-          <a:bodyPr wrap="square" rtlCol="0">
+          <a:bodyPr wrap="square">
             <a:spAutoFit/>
           </a:bodyPr>
           <a:lstStyle/>
           <a:p>
             <a:r>
-              <a:rPr lang="en-GB" sz="2000" dirty="0">
+              <a:rPr lang="en-US" altLang="zh-CN" sz="2800" b="1" dirty="0">
                 <a:solidFill>
                   <a:schemeClr val="bg1"/>
                 </a:solidFill>
-                <a:latin typeface="Abadi" panose="020B0604020202020204" pitchFamily="34" charset="0"/>
               </a:rPr>
-              <a:t>(2)  </a:t>
-            </a:r>
+              <a:t>Low learning cost</a:t>
+            </a:r>
+            <a:endParaRPr lang="zh-CN" altLang="en-US" sz="2800" b="1" dirty="0">
+              <a:solidFill>
+                <a:schemeClr val="bg1"/>
+              </a:solidFill>
+            </a:endParaRPr>
           </a:p>
         </p:txBody>
       </p:sp>
       <p:pic>
         <p:nvPicPr>
-          <p:cNvPr id="15" name="Picture 14">
+          <p:cNvPr id="11" name="Picture 97">
             <a:extLst>
               <a:ext uri="{FF2B5EF4-FFF2-40B4-BE49-F238E27FC236}">
-                <a16:creationId xmlns:a16="http://schemas.microsoft.com/office/drawing/2014/main" id="{C4897187-CD4A-4DD1-9A83-E71A638D330E}"/>
+                <a16:creationId xmlns:a16="http://schemas.microsoft.com/office/drawing/2014/main" id="{F402C1C0-3DCF-498C-9859-F34AA7EAE413}"/>
               </a:ext>
             </a:extLst>
           </p:cNvPr>
@@ -4906,8 +5296,8 @@
         </p:blipFill>
         <p:spPr>
           <a:xfrm>
-            <a:off x="1012055" y="4406426"/>
-            <a:ext cx="3990975" cy="1333500"/>
+            <a:off x="682728" y="3283450"/>
+            <a:ext cx="1061232" cy="1095623"/>
           </a:xfrm>
           <a:prstGeom prst="rect">
             <a:avLst/>
@@ -4916,10 +5306,10 @@
       </p:pic>
       <p:sp>
         <p:nvSpPr>
-          <p:cNvPr id="17" name="TextBox 16">
+          <p:cNvPr id="14" name="文本框 13">
             <a:extLst>
               <a:ext uri="{FF2B5EF4-FFF2-40B4-BE49-F238E27FC236}">
-                <a16:creationId xmlns:a16="http://schemas.microsoft.com/office/drawing/2014/main" id="{2BCF9B18-7273-43CF-BF21-85D9F4014B07}"/>
+                <a16:creationId xmlns:a16="http://schemas.microsoft.com/office/drawing/2014/main" id="{88D3C543-9843-4F46-8CE2-078D2ACB9E73}"/>
               </a:ext>
             </a:extLst>
           </p:cNvPr>
@@ -4928,8 +5318,8 @@
         </p:nvSpPr>
         <p:spPr>
           <a:xfrm>
-            <a:off x="5197252" y="4391681"/>
-            <a:ext cx="5837692" cy="1477328"/>
+            <a:off x="1895591" y="3953286"/>
+            <a:ext cx="4439222" cy="523220"/>
           </a:xfrm>
           <a:prstGeom prst="rect">
             <a:avLst/>
@@ -4943,21 +5333,89 @@
           <a:lstStyle/>
           <a:p>
             <a:r>
-              <a:rPr lang="en-GB" sz="1800" dirty="0">
+              <a:rPr lang="en-US" altLang="zh-CN" sz="2800" b="1" dirty="0">
                 <a:solidFill>
                   <a:schemeClr val="bg1"/>
                 </a:solidFill>
-                <a:latin typeface="Abadi" panose="020B0604020202020204" pitchFamily="34" charset="0"/>
               </a:rPr>
-              <a:t>Install an extension named “live server” in VS Code, which can launch a local development server for static and dynamic pages. Some examples will appear errors if open as a local file (Maybe due to the strict same-origin policy of Chrome and Edge).</a:t>
-            </a:r>
+              <a:t>Customization and flexibility </a:t>
+            </a:r>
+            <a:endParaRPr lang="zh-CN" altLang="en-US" sz="2800" b="1" dirty="0">
+              <a:solidFill>
+                <a:schemeClr val="bg1"/>
+              </a:solidFill>
+            </a:endParaRPr>
+          </a:p>
+        </p:txBody>
+      </p:sp>
+      <p:sp>
+        <p:nvSpPr>
+          <p:cNvPr id="16" name="文本框 15">
+            <a:extLst>
+              <a:ext uri="{FF2B5EF4-FFF2-40B4-BE49-F238E27FC236}">
+                <a16:creationId xmlns:a16="http://schemas.microsoft.com/office/drawing/2014/main" id="{A7E02595-9BB6-4C62-A118-A240095C74E3}"/>
+              </a:ext>
+            </a:extLst>
+          </p:cNvPr>
+          <p:cNvSpPr txBox="1"/>
+          <p:nvPr/>
+        </p:nvSpPr>
+        <p:spPr>
+          <a:xfrm>
+            <a:off x="682727" y="4592537"/>
+            <a:ext cx="10648292" cy="1200329"/>
+          </a:xfrm>
+          <a:prstGeom prst="rect">
+            <a:avLst/>
+          </a:prstGeom>
+          <a:noFill/>
+        </p:spPr>
+        <p:txBody>
+          <a:bodyPr wrap="square">
+            <a:spAutoFit/>
+          </a:bodyPr>
+          <a:lstStyle/>
+          <a:p>
+            <a:r>
+              <a:rPr lang="en-GB" altLang="zh-CN" dirty="0">
+                <a:solidFill>
+                  <a:schemeClr val="bg1"/>
+                </a:solidFill>
+                <a:latin typeface="Abadi" panose="020B0604020104020204" pitchFamily="34" charset="0"/>
+              </a:rPr>
+              <a:t>If we see the codes about D3 as a refresher, we may not understand what those mean quickly. Cause, D3 is the library drawing charts through SVG, based on XML. D3 doesn't encapsulate charts, so we need to add canvases and draw graphics on our own. Each drawn chart is an object and customized events can be added to objects, which cannot be done in </a:t>
+            </a:r>
+            <a:r>
+              <a:rPr lang="en-GB" altLang="zh-CN" dirty="0" err="1">
+                <a:solidFill>
+                  <a:schemeClr val="bg1"/>
+                </a:solidFill>
+                <a:latin typeface="Abadi" panose="020B0604020104020204" pitchFamily="34" charset="0"/>
+              </a:rPr>
+              <a:t>Echarts</a:t>
+            </a:r>
+            <a:r>
+              <a:rPr lang="en-GB" altLang="zh-CN" dirty="0">
+                <a:solidFill>
+                  <a:schemeClr val="bg1"/>
+                </a:solidFill>
+                <a:latin typeface="Abadi" panose="020B0604020104020204" pitchFamily="34" charset="0"/>
+              </a:rPr>
+              <a:t>. </a:t>
+            </a:r>
+            <a:endParaRPr lang="zh-CN" altLang="en-US" dirty="0">
+              <a:solidFill>
+                <a:schemeClr val="bg1"/>
+              </a:solidFill>
+              <a:latin typeface="Abadi" panose="020B0604020104020204" pitchFamily="34" charset="0"/>
+            </a:endParaRPr>
           </a:p>
         </p:txBody>
       </p:sp>
     </p:spTree>
     <p:extLst>
       <p:ext uri="{BB962C8B-B14F-4D97-AF65-F5344CB8AC3E}">
-        <p14:creationId xmlns:p14="http://schemas.microsoft.com/office/powerpoint/2010/main" val="1815271824"/>
+        <p14:creationId xmlns:p14="http://schemas.microsoft.com/office/powerpoint/2010/main" val="1170460019"/>
       </p:ext>
     </p:extLst>
   </p:cSld>
@@ -4986,10 +5444,10 @@
       </p:grpSpPr>
       <p:sp>
         <p:nvSpPr>
-          <p:cNvPr id="6" name="TextBox 5">
+          <p:cNvPr id="7" name="TextBox 6">
             <a:extLst>
               <a:ext uri="{FF2B5EF4-FFF2-40B4-BE49-F238E27FC236}">
-                <a16:creationId xmlns:a16="http://schemas.microsoft.com/office/drawing/2014/main" id="{D3C2DC2E-BE3C-4A9C-B799-27534D268D7C}"/>
+                <a16:creationId xmlns:a16="http://schemas.microsoft.com/office/drawing/2014/main" id="{7FA3F663-C943-4FBF-9037-55721C2DCC8A}"/>
               </a:ext>
             </a:extLst>
           </p:cNvPr>
@@ -4998,8 +5456,8 @@
         </p:nvSpPr>
         <p:spPr>
           <a:xfrm>
-            <a:off x="292961" y="333483"/>
-            <a:ext cx="8788895" cy="646331"/>
+            <a:off x="452759" y="541539"/>
+            <a:ext cx="6320903" cy="646331"/>
           </a:xfrm>
           <a:prstGeom prst="rect">
             <a:avLst/>
@@ -5019,17 +5477,17 @@
                 </a:solidFill>
                 <a:latin typeface="Abadi" panose="020B0604020202020204" pitchFamily="34" charset="0"/>
               </a:rPr>
-              <a:t>Three Ways to Install Echarts.js and D3.js</a:t>
-            </a:r>
-          </a:p>
-        </p:txBody>
-      </p:sp>
-      <p:sp>
-        <p:nvSpPr>
-          <p:cNvPr id="7" name="TextBox 6">
+              <a:t>Before Introducing Further…</a:t>
+            </a:r>
+          </a:p>
+        </p:txBody>
+      </p:sp>
+      <p:sp>
+        <p:nvSpPr>
+          <p:cNvPr id="8" name="TextBox 7">
             <a:extLst>
               <a:ext uri="{FF2B5EF4-FFF2-40B4-BE49-F238E27FC236}">
-                <a16:creationId xmlns:a16="http://schemas.microsoft.com/office/drawing/2014/main" id="{7C017157-9E60-4584-9985-51B92A108C80}"/>
+                <a16:creationId xmlns:a16="http://schemas.microsoft.com/office/drawing/2014/main" id="{79F28C4B-5868-4FB5-A812-3D42FC8E3E0F}"/>
               </a:ext>
             </a:extLst>
           </p:cNvPr>
@@ -5038,8 +5496,8 @@
         </p:nvSpPr>
         <p:spPr>
           <a:xfrm>
-            <a:off x="292961" y="1347537"/>
-            <a:ext cx="9043544" cy="400110"/>
+            <a:off x="452759" y="1439663"/>
+            <a:ext cx="559296" cy="400110"/>
           </a:xfrm>
           <a:prstGeom prst="rect">
             <a:avLst/>
@@ -5059,17 +5517,17 @@
                 </a:solidFill>
                 <a:latin typeface="Abadi" panose="020B0604020202020204" pitchFamily="34" charset="0"/>
               </a:rPr>
-              <a:t>(1) Download echarts.min.js or d3.min.js and include them in html files. </a:t>
+              <a:t>(1)</a:t>
             </a:r>
           </a:p>
         </p:txBody>
       </p:sp>
       <p:pic>
         <p:nvPicPr>
-          <p:cNvPr id="9" name="Picture 8">
+          <p:cNvPr id="11" name="Picture 10">
             <a:extLst>
               <a:ext uri="{FF2B5EF4-FFF2-40B4-BE49-F238E27FC236}">
-                <a16:creationId xmlns:a16="http://schemas.microsoft.com/office/drawing/2014/main" id="{7E032C03-A61A-4289-8BCC-5210B2673085}"/>
+                <a16:creationId xmlns:a16="http://schemas.microsoft.com/office/drawing/2014/main" id="{042DB031-ADA5-4B9B-962F-BD5CE29EF7B3}"/>
               </a:ext>
             </a:extLst>
           </p:cNvPr>
@@ -5086,8 +5544,8 @@
         </p:blipFill>
         <p:spPr>
           <a:xfrm>
-            <a:off x="754203" y="1836763"/>
-            <a:ext cx="4060530" cy="283592"/>
+            <a:off x="1012055" y="1550547"/>
+            <a:ext cx="8370395" cy="1878453"/>
           </a:xfrm>
           <a:prstGeom prst="rect">
             <a:avLst/>
@@ -5096,10 +5554,10 @@
       </p:pic>
       <p:sp>
         <p:nvSpPr>
-          <p:cNvPr id="10" name="TextBox 9">
+          <p:cNvPr id="12" name="TextBox 11">
             <a:extLst>
               <a:ext uri="{FF2B5EF4-FFF2-40B4-BE49-F238E27FC236}">
-                <a16:creationId xmlns:a16="http://schemas.microsoft.com/office/drawing/2014/main" id="{DE506D4F-4B07-46E4-B46F-17413478BA5A}"/>
+                <a16:creationId xmlns:a16="http://schemas.microsoft.com/office/drawing/2014/main" id="{FF41FF97-0D0E-44CB-9407-0B4440504DA0}"/>
               </a:ext>
             </a:extLst>
           </p:cNvPr>
@@ -5108,8 +5566,8 @@
         </p:nvSpPr>
         <p:spPr>
           <a:xfrm>
-            <a:off x="292961" y="2757486"/>
-            <a:ext cx="8540321" cy="707886"/>
+            <a:off x="1012055" y="3517603"/>
+            <a:ext cx="9712170" cy="400110"/>
           </a:xfrm>
           <a:prstGeom prst="rect">
             <a:avLst/>
@@ -5123,80 +5581,88 @@
           <a:lstStyle/>
           <a:p>
             <a:r>
+              <a:rPr lang="en-GB" sz="2000" b="1" dirty="0">
+                <a:latin typeface="Abadi" panose="020B0604020202020204" pitchFamily="34" charset="0"/>
+              </a:rPr>
+              <a:t>git clone </a:t>
+            </a:r>
+            <a:r>
+              <a:rPr lang="en-GB" sz="2000" b="1" dirty="0">
+                <a:latin typeface="Abadi" panose="020B0604020202020204" pitchFamily="34" charset="0"/>
+                <a:hlinkClick r:id="rId3">
+                  <a:extLst>
+                    <a:ext uri="{A12FA001-AC4F-418D-AE19-62706E023703}">
+                      <ahyp:hlinkClr xmlns:ahyp="http://schemas.microsoft.com/office/drawing/2018/hyperlinkcolor" val="tx"/>
+                    </a:ext>
+                  </a:extLst>
+                </a:hlinkClick>
+              </a:rPr>
+              <a:t>https://github.com/Raynham/javascript-presentation.git</a:t>
+            </a:r>
+            <a:r>
+              <a:rPr lang="en-GB" sz="2000" b="1" dirty="0">
+                <a:latin typeface="Abadi" panose="020B0604020202020204" pitchFamily="34" charset="0"/>
+              </a:rPr>
+              <a:t> </a:t>
+            </a:r>
+            <a:r>
               <a:rPr lang="en-GB" sz="2000" dirty="0">
                 <a:solidFill>
                   <a:schemeClr val="bg1"/>
                 </a:solidFill>
-                <a:latin typeface="Abadi" panose="020B0604020104020204" pitchFamily="34" charset="0"/>
+                <a:latin typeface="Abadi" panose="020B0604020202020204" pitchFamily="34" charset="0"/>
               </a:rPr>
-              <a:t>(2) Use CDN (</a:t>
-            </a:r>
-            <a:r>
-              <a:rPr lang="en-GB" sz="2000" b="0" i="0" dirty="0">
-                <a:solidFill>
-                  <a:schemeClr val="bg1"/>
-                </a:solidFill>
-                <a:effectLst/>
-                <a:latin typeface="Abadi" panose="020B0604020104020204" pitchFamily="34" charset="0"/>
-              </a:rPr>
-              <a:t>Content Delivery Network</a:t>
-            </a:r>
-            <a:r>
-              <a:rPr lang="en-GB" sz="2000" dirty="0">
-                <a:solidFill>
-                  <a:schemeClr val="bg1"/>
-                </a:solidFill>
-                <a:latin typeface="Abadi" panose="020B0604020104020204" pitchFamily="34" charset="0"/>
-              </a:rPr>
-              <a:t>)</a:t>
-            </a:r>
-          </a:p>
-          <a:p>
-            <a:endParaRPr lang="en-GB" sz="2000" dirty="0">
-              <a:solidFill>
-                <a:schemeClr val="bg1"/>
-              </a:solidFill>
-              <a:latin typeface="Abadi" panose="020B0604020202020204" pitchFamily="34" charset="0"/>
-            </a:endParaRPr>
-          </a:p>
-        </p:txBody>
-      </p:sp>
-      <p:pic>
-        <p:nvPicPr>
-          <p:cNvPr id="14" name="Picture 13">
+              <a:t>to get some examples</a:t>
+            </a:r>
+          </a:p>
+        </p:txBody>
+      </p:sp>
+      <p:sp>
+        <p:nvSpPr>
+          <p:cNvPr id="13" name="TextBox 12">
             <a:extLst>
               <a:ext uri="{FF2B5EF4-FFF2-40B4-BE49-F238E27FC236}">
-                <a16:creationId xmlns:a16="http://schemas.microsoft.com/office/drawing/2014/main" id="{22B72CAA-4DF1-4A03-88C0-8C2CC511CB80}"/>
+                <a16:creationId xmlns:a16="http://schemas.microsoft.com/office/drawing/2014/main" id="{DC2AD131-74FA-48AA-9D16-042F793B2C78}"/>
               </a:ext>
             </a:extLst>
           </p:cNvPr>
-          <p:cNvPicPr>
-            <a:picLocks noChangeAspect="1"/>
-          </p:cNvPicPr>
+          <p:cNvSpPr txBox="1"/>
           <p:nvPr/>
-        </p:nvPicPr>
-        <p:blipFill>
-          <a:blip r:embed="rId3"/>
-          <a:stretch>
-            <a:fillRect/>
-          </a:stretch>
-        </p:blipFill>
-        <p:spPr>
-          <a:xfrm>
-            <a:off x="696433" y="3283379"/>
-            <a:ext cx="4309642" cy="291242"/>
+        </p:nvSpPr>
+        <p:spPr>
+          <a:xfrm>
+            <a:off x="479393" y="4006316"/>
+            <a:ext cx="559296" cy="400110"/>
           </a:xfrm>
           <a:prstGeom prst="rect">
             <a:avLst/>
           </a:prstGeom>
-        </p:spPr>
-      </p:pic>
+          <a:noFill/>
+        </p:spPr>
+        <p:txBody>
+          <a:bodyPr wrap="square" rtlCol="0">
+            <a:spAutoFit/>
+          </a:bodyPr>
+          <a:lstStyle/>
+          <a:p>
+            <a:r>
+              <a:rPr lang="en-GB" sz="2000" dirty="0">
+                <a:solidFill>
+                  <a:schemeClr val="bg1"/>
+                </a:solidFill>
+                <a:latin typeface="Abadi" panose="020B0604020202020204" pitchFamily="34" charset="0"/>
+              </a:rPr>
+              <a:t>(2)  </a:t>
+            </a:r>
+          </a:p>
+        </p:txBody>
+      </p:sp>
       <p:pic>
         <p:nvPicPr>
-          <p:cNvPr id="16" name="Picture 15">
+          <p:cNvPr id="15" name="Picture 14">
             <a:extLst>
               <a:ext uri="{FF2B5EF4-FFF2-40B4-BE49-F238E27FC236}">
-                <a16:creationId xmlns:a16="http://schemas.microsoft.com/office/drawing/2014/main" id="{DAE14740-C634-43F8-90F8-C509D9FA18A6}"/>
+                <a16:creationId xmlns:a16="http://schemas.microsoft.com/office/drawing/2014/main" id="{C4897187-CD4A-4DD1-9A83-E71A638D330E}"/>
               </a:ext>
             </a:extLst>
           </p:cNvPr>
@@ -5213,8 +5679,8 @@
         </p:blipFill>
         <p:spPr>
           <a:xfrm>
-            <a:off x="696433" y="3868621"/>
-            <a:ext cx="6419850" cy="291242"/>
+            <a:off x="1012055" y="4406426"/>
+            <a:ext cx="3990975" cy="1333500"/>
           </a:xfrm>
           <a:prstGeom prst="rect">
             <a:avLst/>
@@ -5226,7 +5692,7 @@
           <p:cNvPr id="17" name="TextBox 16">
             <a:extLst>
               <a:ext uri="{FF2B5EF4-FFF2-40B4-BE49-F238E27FC236}">
-                <a16:creationId xmlns:a16="http://schemas.microsoft.com/office/drawing/2014/main" id="{B581F672-34CD-44AD-A27A-4FD3F0DF9CB2}"/>
+                <a16:creationId xmlns:a16="http://schemas.microsoft.com/office/drawing/2014/main" id="{2BCF9B18-7273-43CF-BF21-85D9F4014B07}"/>
               </a:ext>
             </a:extLst>
           </p:cNvPr>
@@ -5235,8 +5701,8 @@
         </p:nvSpPr>
         <p:spPr>
           <a:xfrm>
-            <a:off x="292961" y="4623277"/>
-            <a:ext cx="9043544" cy="1323439"/>
+            <a:off x="5197252" y="4391681"/>
+            <a:ext cx="5837692" cy="1477328"/>
           </a:xfrm>
           <a:prstGeom prst="rect">
             <a:avLst/>
@@ -5244,138 +5710,86 @@
           <a:noFill/>
         </p:spPr>
         <p:txBody>
-          <a:bodyPr wrap="square" rtlCol="0">
+          <a:bodyPr wrap="square">
             <a:spAutoFit/>
           </a:bodyPr>
           <a:lstStyle/>
           <a:p>
             <a:r>
-              <a:rPr lang="en-GB" sz="2000" dirty="0">
+              <a:rPr lang="en-GB" sz="1800" dirty="0">
                 <a:solidFill>
                   <a:schemeClr val="bg1"/>
                 </a:solidFill>
                 <a:latin typeface="Abadi" panose="020B0604020202020204" pitchFamily="34" charset="0"/>
               </a:rPr>
-              <a:t>(3) </a:t>
-            </a:r>
-            <a:r>
-              <a:rPr lang="en-GB" sz="2000" dirty="0" err="1">
-                <a:solidFill>
-                  <a:schemeClr val="bg1"/>
-                </a:solidFill>
-                <a:latin typeface="Abadi" panose="020B0604020202020204" pitchFamily="34" charset="0"/>
-              </a:rPr>
-              <a:t>npm</a:t>
-            </a:r>
-            <a:r>
-              <a:rPr lang="en-GB" sz="2000" dirty="0">
-                <a:solidFill>
-                  <a:schemeClr val="bg1"/>
-                </a:solidFill>
-                <a:latin typeface="Abadi" panose="020B0604020202020204" pitchFamily="34" charset="0"/>
-              </a:rPr>
-              <a:t> install </a:t>
-            </a:r>
-            <a:r>
-              <a:rPr lang="en-GB" sz="2000" dirty="0" err="1">
-                <a:solidFill>
-                  <a:schemeClr val="bg1"/>
-                </a:solidFill>
-                <a:latin typeface="Abadi" panose="020B0604020202020204" pitchFamily="34" charset="0"/>
-              </a:rPr>
-              <a:t>echarts</a:t>
-            </a:r>
-            <a:r>
-              <a:rPr lang="en-GB" sz="2000" dirty="0">
-                <a:solidFill>
-                  <a:schemeClr val="bg1"/>
-                </a:solidFill>
-                <a:latin typeface="Abadi" panose="020B0604020202020204" pitchFamily="34" charset="0"/>
-              </a:rPr>
-              <a:t> --save / </a:t>
-            </a:r>
-            <a:r>
-              <a:rPr lang="en-GB" sz="2000" dirty="0" err="1">
-                <a:solidFill>
-                  <a:schemeClr val="bg1"/>
-                </a:solidFill>
-                <a:latin typeface="Abadi" panose="020B0604020202020204" pitchFamily="34" charset="0"/>
-              </a:rPr>
-              <a:t>npm</a:t>
-            </a:r>
-            <a:r>
-              <a:rPr lang="en-GB" sz="2000" dirty="0">
-                <a:solidFill>
-                  <a:schemeClr val="bg1"/>
-                </a:solidFill>
-                <a:latin typeface="Abadi" panose="020B0604020202020204" pitchFamily="34" charset="0"/>
-              </a:rPr>
-              <a:t> install d3 --save</a:t>
-            </a:r>
-          </a:p>
-          <a:p>
-            <a:r>
-              <a:rPr lang="en-GB" sz="2000" dirty="0">
-                <a:solidFill>
-                  <a:schemeClr val="bg1"/>
-                </a:solidFill>
-                <a:latin typeface="Abadi" panose="020B0604020202020204" pitchFamily="34" charset="0"/>
-              </a:rPr>
-              <a:t>     And then require() to use them</a:t>
-            </a:r>
-          </a:p>
-          <a:p>
-            <a:endParaRPr lang="en-GB" sz="2000" dirty="0">
-              <a:solidFill>
-                <a:schemeClr val="bg1"/>
-              </a:solidFill>
-              <a:latin typeface="Abadi" panose="020B0604020202020204" pitchFamily="34" charset="0"/>
-            </a:endParaRPr>
-          </a:p>
-          <a:p>
-            <a:endParaRPr lang="en-GB" sz="2000" dirty="0">
-              <a:solidFill>
-                <a:schemeClr val="bg1"/>
-              </a:solidFill>
-              <a:latin typeface="Abadi" panose="020B0604020202020204" pitchFamily="34" charset="0"/>
-            </a:endParaRPr>
-          </a:p>
-        </p:txBody>
-      </p:sp>
-      <p:pic>
-        <p:nvPicPr>
-          <p:cNvPr id="19" name="Picture 18">
+              <a:t>Install an extension named “live server” in VS Code, which can launch a local development server for static and dynamic pages. Some examples will appear errors if open as a local file (Maybe due to the strict same-origin policy of Chrome and Edge).</a:t>
+            </a:r>
+          </a:p>
+        </p:txBody>
+      </p:sp>
+      <p:sp>
+        <p:nvSpPr>
+          <p:cNvPr id="9" name="文本框 8">
             <a:extLst>
               <a:ext uri="{FF2B5EF4-FFF2-40B4-BE49-F238E27FC236}">
-                <a16:creationId xmlns:a16="http://schemas.microsoft.com/office/drawing/2014/main" id="{9035FD7A-4A5A-45B3-94CC-613270D03769}"/>
+                <a16:creationId xmlns:a16="http://schemas.microsoft.com/office/drawing/2014/main" id="{0AF15AAE-DE30-4C28-BD89-3B4605253DB7}"/>
               </a:ext>
             </a:extLst>
           </p:cNvPr>
-          <p:cNvPicPr>
-            <a:picLocks noChangeAspect="1"/>
-          </p:cNvPicPr>
+          <p:cNvSpPr txBox="1"/>
           <p:nvPr/>
-        </p:nvPicPr>
-        <p:blipFill>
-          <a:blip r:embed="rId5"/>
-          <a:stretch>
-            <a:fillRect/>
-          </a:stretch>
-        </p:blipFill>
-        <p:spPr>
-          <a:xfrm>
-            <a:off x="696433" y="5510463"/>
-            <a:ext cx="3387677" cy="257618"/>
+        </p:nvSpPr>
+        <p:spPr>
+          <a:xfrm>
+            <a:off x="682726" y="6152164"/>
+            <a:ext cx="6792729" cy="369332"/>
           </a:xfrm>
           <a:prstGeom prst="rect">
             <a:avLst/>
           </a:prstGeom>
-        </p:spPr>
-      </p:pic>
+          <a:noFill/>
+        </p:spPr>
+        <p:txBody>
+          <a:bodyPr wrap="square">
+            <a:spAutoFit/>
+          </a:bodyPr>
+          <a:lstStyle/>
+          <a:p>
+            <a:r>
+              <a:rPr lang="en-US" altLang="zh-CN" dirty="0">
+                <a:solidFill>
+                  <a:schemeClr val="bg1"/>
+                </a:solidFill>
+                <a:latin typeface="Abadi" panose="020B0604020104020204" pitchFamily="34" charset="0"/>
+              </a:rPr>
+              <a:t>If you finish, please click: </a:t>
+            </a:r>
+            <a:r>
+              <a:rPr lang="zh-CN" altLang="en-US" b="1" dirty="0">
+                <a:latin typeface="Abadi" panose="020B0604020104020204" pitchFamily="34" charset="0"/>
+                <a:hlinkClick r:id="rId5">
+                  <a:extLst>
+                    <a:ext uri="{A12FA001-AC4F-418D-AE19-62706E023703}">
+                      <ahyp:hlinkClr xmlns:ahyp="http://schemas.microsoft.com/office/drawing/2018/hyperlinkcolor" val="tx"/>
+                    </a:ext>
+                  </a:extLst>
+                </a:hlinkClick>
+              </a:rPr>
+              <a:t>https://www.menti.com/3yfjgzaw7d</a:t>
+            </a:r>
+            <a:r>
+              <a:rPr lang="zh-CN" altLang="en-US" b="1" dirty="0">
+                <a:latin typeface="Abadi" panose="020B0604020104020204" pitchFamily="34" charset="0"/>
+              </a:rPr>
+              <a:t> </a:t>
+            </a:r>
+          </a:p>
+        </p:txBody>
+      </p:sp>
     </p:spTree>
     <p:extLst>
       <p:ext uri="{BB962C8B-B14F-4D97-AF65-F5344CB8AC3E}">
-        <p14:creationId xmlns:p14="http://schemas.microsoft.com/office/powerpoint/2010/main" val="3979719486"/>
+        <p14:creationId xmlns:p14="http://schemas.microsoft.com/office/powerpoint/2010/main" val="1815271824"/>
       </p:ext>
     </p:extLst>
   </p:cSld>
@@ -5424,7 +5838,7 @@
         </p:blipFill>
         <p:spPr>
           <a:xfrm>
-            <a:off x="788729" y="1029810"/>
+            <a:off x="788729" y="761741"/>
             <a:ext cx="10614541" cy="5615126"/>
           </a:xfrm>
           <a:prstGeom prst="rect">
@@ -5516,8 +5930,8 @@
         </p:nvSpPr>
         <p:spPr>
           <a:xfrm>
-            <a:off x="256545" y="158621"/>
-            <a:ext cx="9525742" cy="646331"/>
+            <a:off x="256544" y="158621"/>
+            <a:ext cx="11866325" cy="584775"/>
           </a:xfrm>
           <a:prstGeom prst="rect">
             <a:avLst/>
@@ -5531,23 +5945,23 @@
           <a:lstStyle/>
           <a:p>
             <a:r>
-              <a:rPr lang="en-GB" sz="3600" dirty="0">
+              <a:rPr lang="en-GB" sz="3200" dirty="0">
                 <a:solidFill>
                   <a:schemeClr val="bg1"/>
                 </a:solidFill>
                 <a:latin typeface="Abadi" panose="020B0604020202020204" pitchFamily="34" charset="0"/>
               </a:rPr>
-              <a:t>American film companies dashboard by D3.js</a:t>
+              <a:t>Visualizing Words Used at the US Democratic Convention By D3.js</a:t>
             </a:r>
           </a:p>
         </p:txBody>
       </p:sp>
       <p:pic>
         <p:nvPicPr>
-          <p:cNvPr id="8" name="Picture 7">
+          <p:cNvPr id="3" name="图片 2">
             <a:extLst>
               <a:ext uri="{FF2B5EF4-FFF2-40B4-BE49-F238E27FC236}">
-                <a16:creationId xmlns:a16="http://schemas.microsoft.com/office/drawing/2014/main" id="{C9EBF66B-8C69-453C-9A98-E8D52EB2C091}"/>
+                <a16:creationId xmlns:a16="http://schemas.microsoft.com/office/drawing/2014/main" id="{82BD1335-4D96-43B7-AC50-EFBC75B9BFA3}"/>
               </a:ext>
             </a:extLst>
           </p:cNvPr>
@@ -5564,14 +5978,79 @@
         </p:blipFill>
         <p:spPr>
           <a:xfrm>
-            <a:off x="411324" y="804914"/>
-            <a:ext cx="11369351" cy="5894465"/>
+            <a:off x="714375" y="804952"/>
+            <a:ext cx="10763250" cy="5248096"/>
           </a:xfrm>
           <a:prstGeom prst="rect">
             <a:avLst/>
           </a:prstGeom>
         </p:spPr>
       </p:pic>
+      <p:sp>
+        <p:nvSpPr>
+          <p:cNvPr id="7" name="文本框 6">
+            <a:extLst>
+              <a:ext uri="{FF2B5EF4-FFF2-40B4-BE49-F238E27FC236}">
+                <a16:creationId xmlns:a16="http://schemas.microsoft.com/office/drawing/2014/main" id="{EC0CDFF5-7C26-4442-9039-63C137F86188}"/>
+              </a:ext>
+            </a:extLst>
+          </p:cNvPr>
+          <p:cNvSpPr txBox="1"/>
+          <p:nvPr/>
+        </p:nvSpPr>
+        <p:spPr>
+          <a:xfrm>
+            <a:off x="848412" y="6053048"/>
+            <a:ext cx="11019934" cy="923330"/>
+          </a:xfrm>
+          <a:prstGeom prst="rect">
+            <a:avLst/>
+          </a:prstGeom>
+          <a:noFill/>
+        </p:spPr>
+        <p:txBody>
+          <a:bodyPr wrap="square">
+            <a:spAutoFit/>
+          </a:bodyPr>
+          <a:lstStyle/>
+          <a:p>
+            <a:r>
+              <a:rPr lang="en-US" altLang="zh-CN" dirty="0">
+                <a:solidFill>
+                  <a:schemeClr val="bg1"/>
+                </a:solidFill>
+                <a:latin typeface="Abadi" panose="020B0604020104020204" pitchFamily="34" charset="0"/>
+              </a:rPr>
+              <a:t>URL: </a:t>
+            </a:r>
+            <a:r>
+              <a:rPr lang="zh-CN" altLang="en-US" dirty="0">
+                <a:solidFill>
+                  <a:schemeClr val="bg1"/>
+                </a:solidFill>
+                <a:latin typeface="Abadi" panose="020B0604020104020204" pitchFamily="34" charset="0"/>
+                <a:hlinkClick r:id="rId3">
+                  <a:extLst>
+                    <a:ext uri="{A12FA001-AC4F-418D-AE19-62706E023703}">
+                      <ahyp:hlinkClr xmlns:ahyp="http://schemas.microsoft.com/office/drawing/2018/hyperlinkcolor" val="tx"/>
+                    </a:ext>
+                  </a:extLst>
+                </a:hlinkClick>
+              </a:rPr>
+              <a:t>https://archive.nytimes.com/www.nytimes.com/interactive/2012/09/04/us/politics/democratic-convention-words.html#Values</a:t>
+            </a:r>
+            <a:endParaRPr lang="en-US" altLang="zh-CN" dirty="0">
+              <a:solidFill>
+                <a:schemeClr val="bg1"/>
+              </a:solidFill>
+              <a:latin typeface="Abadi" panose="020B0604020104020204" pitchFamily="34" charset="0"/>
+            </a:endParaRPr>
+          </a:p>
+          <a:p>
+            <a:endParaRPr lang="en-US" altLang="zh-CN" dirty="0"/>
+          </a:p>
+        </p:txBody>
+      </p:sp>
     </p:spTree>
     <p:extLst>
       <p:ext uri="{BB962C8B-B14F-4D97-AF65-F5344CB8AC3E}">
